--- a/src/assets/ng2/download/resumos_expandidos/template_apresentacao_slides.pptx
+++ b/src/assets/ng2/download/resumos_expandidos/template_apresentacao_slides.pptx
@@ -213,7 +213,7 @@
           <a:p>
             <a:fld id="{230A1DB1-E6FF-4E95-A11C-714B133AB788}" type="datetimeFigureOut">
               <a:rPr lang="pt-BR" smtClean="0"/>
-              <a:t>21/12/2020</a:t>
+              <a:t>22/09/2021</a:t>
             </a:fld>
             <a:endParaRPr lang="pt-BR"/>
           </a:p>
@@ -743,7 +743,7 @@
           <a:p>
             <a:fld id="{B6C3F73E-C7A8-4EBB-A348-0099322CF52B}" type="datetimeFigureOut">
               <a:rPr lang="pt-BR" smtClean="0"/>
-              <a:t>21/12/2020</a:t>
+              <a:t>22/09/2021</a:t>
             </a:fld>
             <a:endParaRPr lang="pt-BR"/>
           </a:p>
@@ -911,7 +911,7 @@
           <a:p>
             <a:fld id="{B6C3F73E-C7A8-4EBB-A348-0099322CF52B}" type="datetimeFigureOut">
               <a:rPr lang="pt-BR" smtClean="0"/>
-              <a:t>21/12/2020</a:t>
+              <a:t>22/09/2021</a:t>
             </a:fld>
             <a:endParaRPr lang="pt-BR"/>
           </a:p>
@@ -1089,7 +1089,7 @@
           <a:p>
             <a:fld id="{B6C3F73E-C7A8-4EBB-A348-0099322CF52B}" type="datetimeFigureOut">
               <a:rPr lang="pt-BR" smtClean="0"/>
-              <a:t>21/12/2020</a:t>
+              <a:t>22/09/2021</a:t>
             </a:fld>
             <a:endParaRPr lang="pt-BR"/>
           </a:p>
@@ -1257,7 +1257,7 @@
           <a:p>
             <a:fld id="{B6C3F73E-C7A8-4EBB-A348-0099322CF52B}" type="datetimeFigureOut">
               <a:rPr lang="pt-BR" smtClean="0"/>
-              <a:t>21/12/2020</a:t>
+              <a:t>22/09/2021</a:t>
             </a:fld>
             <a:endParaRPr lang="pt-BR"/>
           </a:p>
@@ -1502,7 +1502,7 @@
           <a:p>
             <a:fld id="{B6C3F73E-C7A8-4EBB-A348-0099322CF52B}" type="datetimeFigureOut">
               <a:rPr lang="pt-BR" smtClean="0"/>
-              <a:t>21/12/2020</a:t>
+              <a:t>22/09/2021</a:t>
             </a:fld>
             <a:endParaRPr lang="pt-BR"/>
           </a:p>
@@ -1787,7 +1787,7 @@
           <a:p>
             <a:fld id="{B6C3F73E-C7A8-4EBB-A348-0099322CF52B}" type="datetimeFigureOut">
               <a:rPr lang="pt-BR" smtClean="0"/>
-              <a:t>21/12/2020</a:t>
+              <a:t>22/09/2021</a:t>
             </a:fld>
             <a:endParaRPr lang="pt-BR"/>
           </a:p>
@@ -2206,7 +2206,7 @@
           <a:p>
             <a:fld id="{B6C3F73E-C7A8-4EBB-A348-0099322CF52B}" type="datetimeFigureOut">
               <a:rPr lang="pt-BR" smtClean="0"/>
-              <a:t>21/12/2020</a:t>
+              <a:t>22/09/2021</a:t>
             </a:fld>
             <a:endParaRPr lang="pt-BR"/>
           </a:p>
@@ -2323,7 +2323,7 @@
           <a:p>
             <a:fld id="{B6C3F73E-C7A8-4EBB-A348-0099322CF52B}" type="datetimeFigureOut">
               <a:rPr lang="pt-BR" smtClean="0"/>
-              <a:t>21/12/2020</a:t>
+              <a:t>22/09/2021</a:t>
             </a:fld>
             <a:endParaRPr lang="pt-BR"/>
           </a:p>
@@ -2418,7 +2418,7 @@
           <a:p>
             <a:fld id="{B6C3F73E-C7A8-4EBB-A348-0099322CF52B}" type="datetimeFigureOut">
               <a:rPr lang="pt-BR" smtClean="0"/>
-              <a:t>21/12/2020</a:t>
+              <a:t>22/09/2021</a:t>
             </a:fld>
             <a:endParaRPr lang="pt-BR"/>
           </a:p>
@@ -2693,7 +2693,7 @@
           <a:p>
             <a:fld id="{B6C3F73E-C7A8-4EBB-A348-0099322CF52B}" type="datetimeFigureOut">
               <a:rPr lang="pt-BR" smtClean="0"/>
-              <a:t>21/12/2020</a:t>
+              <a:t>22/09/2021</a:t>
             </a:fld>
             <a:endParaRPr lang="pt-BR"/>
           </a:p>
@@ -2945,7 +2945,7 @@
           <a:p>
             <a:fld id="{B6C3F73E-C7A8-4EBB-A348-0099322CF52B}" type="datetimeFigureOut">
               <a:rPr lang="pt-BR" smtClean="0"/>
-              <a:t>21/12/2020</a:t>
+              <a:t>22/09/2021</a:t>
             </a:fld>
             <a:endParaRPr lang="pt-BR"/>
           </a:p>
@@ -3165,7 +3165,7 @@
           <a:p>
             <a:fld id="{B6C3F73E-C7A8-4EBB-A348-0099322CF52B}" type="datetimeFigureOut">
               <a:rPr lang="pt-BR" smtClean="0"/>
-              <a:t>21/12/2020</a:t>
+              <a:t>22/09/2021</a:t>
             </a:fld>
             <a:endParaRPr lang="pt-BR"/>
           </a:p>
@@ -3552,50 +3552,85 @@
         </p:nvSpPr>
         <p:spPr>
           <a:xfrm>
-            <a:off x="685800" y="1268760"/>
-            <a:ext cx="7772400" cy="2331690"/>
+            <a:off x="685800" y="1628800"/>
+            <a:ext cx="7772400" cy="1470025"/>
           </a:xfrm>
         </p:spPr>
         <p:txBody>
           <a:bodyPr>
-            <a:normAutofit/>
+            <a:normAutofit fontScale="90000"/>
           </a:bodyPr>
           <a:lstStyle/>
           <a:p>
             <a:r>
-              <a:rPr lang="pt-BR" sz="2400" dirty="0">
+              <a:rPr lang="pt-BR" sz="3100" dirty="0">
+                <a:effectLst>
+                  <a:outerShdw blurRad="38100" dist="38100" dir="2700000" algn="tl">
+                    <a:srgbClr val="000000">
+                      <a:alpha val="43137"/>
+                    </a:srgbClr>
+                  </a:outerShdw>
+                </a:effectLst>
                 <a:latin typeface="Arial" panose="020B0604020202020204" pitchFamily="34" charset="0"/>
                 <a:cs typeface="Arial" panose="020B0604020202020204" pitchFamily="34" charset="0"/>
               </a:rPr>
               <a:t>Nome do GT</a:t>
             </a:r>
             <a:br>
-              <a:rPr lang="pt-BR" sz="2000" dirty="0">
+              <a:rPr lang="pt-BR" sz="2800" dirty="0">
+                <a:effectLst>
+                  <a:outerShdw blurRad="38100" dist="38100" dir="2700000" algn="tl">
+                    <a:srgbClr val="000000">
+                      <a:alpha val="43137"/>
+                    </a:srgbClr>
+                  </a:outerShdw>
+                </a:effectLst>
                 <a:latin typeface="Arial" panose="020B0604020202020204" pitchFamily="34" charset="0"/>
                 <a:cs typeface="Arial" panose="020B0604020202020204" pitchFamily="34" charset="0"/>
               </a:rPr>
             </a:br>
             <a:r>
-              <a:rPr lang="pt-BR" sz="1600" dirty="0">
+              <a:rPr lang="pt-BR" sz="2000" dirty="0">
+                <a:effectLst>
+                  <a:outerShdw blurRad="38100" dist="38100" dir="2700000" algn="tl">
+                    <a:srgbClr val="000000">
+                      <a:alpha val="43137"/>
+                    </a:srgbClr>
+                  </a:outerShdw>
+                </a:effectLst>
                 <a:latin typeface="Arial" panose="020B0604020202020204" pitchFamily="34" charset="0"/>
                 <a:cs typeface="Arial" panose="020B0604020202020204" pitchFamily="34" charset="0"/>
               </a:rPr>
               <a:t>(Resumo Expandido)</a:t>
             </a:r>
             <a:br>
-              <a:rPr lang="pt-BR" sz="3600" dirty="0">
+              <a:rPr lang="pt-BR" sz="4400" dirty="0">
+                <a:effectLst>
+                  <a:outerShdw blurRad="38100" dist="38100" dir="2700000" algn="tl">
+                    <a:srgbClr val="000000">
+                      <a:alpha val="43137"/>
+                    </a:srgbClr>
+                  </a:outerShdw>
+                </a:effectLst>
                 <a:latin typeface="Arial" panose="020B0604020202020204" pitchFamily="34" charset="0"/>
                 <a:cs typeface="Arial" panose="020B0604020202020204" pitchFamily="34" charset="0"/>
               </a:rPr>
             </a:br>
             <a:br>
               <a:rPr lang="pt-BR" dirty="0">
+                <a:effectLst>
+                  <a:outerShdw blurRad="38100" dist="38100" dir="2700000" algn="tl">
+                    <a:srgbClr val="000000">
+                      <a:alpha val="43137"/>
+                    </a:srgbClr>
+                  </a:outerShdw>
+                </a:effectLst>
                 <a:latin typeface="Arial" panose="020B0604020202020204" pitchFamily="34" charset="0"/>
                 <a:cs typeface="Arial" panose="020B0604020202020204" pitchFamily="34" charset="0"/>
               </a:rPr>
             </a:br>
             <a:r>
-              <a:rPr lang="pt-BR" sz="3600" dirty="0">
+              <a:rPr lang="pt-BR" sz="4000" dirty="0">
                 <a:solidFill>
                   <a:schemeClr val="accent5">
                     <a:lumMod val="50000"/>
@@ -3614,18 +3649,6 @@
               <a:t>Título do Trabalho</a:t>
             </a:r>
             <a:endParaRPr lang="pt-BR" dirty="0">
-              <a:solidFill>
-                <a:schemeClr val="accent5">
-                  <a:lumMod val="50000"/>
-                </a:schemeClr>
-              </a:solidFill>
-              <a:effectLst>
-                <a:outerShdw blurRad="38100" dist="38100" dir="2700000" algn="tl">
-                  <a:srgbClr val="000000">
-                    <a:alpha val="43137"/>
-                  </a:srgbClr>
-                </a:outerShdw>
-              </a:effectLst>
               <a:latin typeface="Arial" panose="020B0604020202020204" pitchFamily="34" charset="0"/>
               <a:cs typeface="Arial" panose="020B0604020202020204" pitchFamily="34" charset="0"/>
             </a:endParaRPr>
@@ -3644,18 +3667,18 @@
         </p:nvSpPr>
         <p:spPr>
           <a:xfrm>
-            <a:off x="1371600" y="4005064"/>
-            <a:ext cx="6400800" cy="1944216"/>
+            <a:off x="1371600" y="3759176"/>
+            <a:ext cx="6400800" cy="1879624"/>
           </a:xfrm>
         </p:spPr>
         <p:txBody>
           <a:bodyPr>
-            <a:normAutofit lnSpcReduction="10000"/>
+            <a:normAutofit fontScale="92500" lnSpcReduction="20000"/>
           </a:bodyPr>
           <a:lstStyle/>
           <a:p>
             <a:r>
-              <a:rPr lang="pt-BR" sz="2200" dirty="0">
+              <a:rPr lang="pt-BR" sz="2600" dirty="0">
                 <a:latin typeface="Arial" panose="020B0604020202020204" pitchFamily="34" charset="0"/>
                 <a:cs typeface="Arial" panose="020B0604020202020204" pitchFamily="34" charset="0"/>
               </a:rPr>
@@ -3664,7 +3687,7 @@
           </a:p>
           <a:p>
             <a:r>
-              <a:rPr lang="pt-BR" sz="2200" dirty="0">
+              <a:rPr lang="pt-BR" sz="2600" dirty="0">
                 <a:latin typeface="Arial" panose="020B0604020202020204" pitchFamily="34" charset="0"/>
                 <a:cs typeface="Arial" panose="020B0604020202020204" pitchFamily="34" charset="0"/>
               </a:rPr>
@@ -3673,7 +3696,7 @@
           </a:p>
           <a:p>
             <a:r>
-              <a:rPr lang="pt-BR" sz="2200" dirty="0">
+              <a:rPr lang="pt-BR" sz="2600" dirty="0">
                 <a:latin typeface="Arial" panose="020B0604020202020204" pitchFamily="34" charset="0"/>
                 <a:cs typeface="Arial" panose="020B0604020202020204" pitchFamily="34" charset="0"/>
               </a:rPr>
@@ -3682,7 +3705,7 @@
           </a:p>
           <a:p>
             <a:r>
-              <a:rPr lang="pt-BR" sz="2200" dirty="0">
+              <a:rPr lang="pt-BR" sz="2600" dirty="0">
                 <a:latin typeface="Arial" panose="020B0604020202020204" pitchFamily="34" charset="0"/>
                 <a:cs typeface="Arial" panose="020B0604020202020204" pitchFamily="34" charset="0"/>
               </a:rPr>
@@ -3691,12 +3714,18 @@
           </a:p>
           <a:p>
             <a:r>
-              <a:rPr lang="pt-BR" sz="2200" dirty="0">
+              <a:rPr lang="pt-BR" sz="2600" dirty="0">
                 <a:latin typeface="Arial" panose="020B0604020202020204" pitchFamily="34" charset="0"/>
                 <a:cs typeface="Arial" panose="020B0604020202020204" pitchFamily="34" charset="0"/>
               </a:rPr>
               <a:t>Autor 05 (Instituição/E-mail)</a:t>
             </a:r>
+          </a:p>
+          <a:p>
+            <a:endParaRPr lang="pt-BR" sz="2600" dirty="0">
+              <a:latin typeface="Arial" panose="020B0604020202020204" pitchFamily="34" charset="0"/>
+              <a:cs typeface="Arial" panose="020B0604020202020204" pitchFamily="34" charset="0"/>
+            </a:endParaRPr>
           </a:p>
           <a:p>
             <a:endParaRPr lang="pt-BR" dirty="0">
@@ -3741,7 +3770,7 @@
           <p:cNvPr id="2" name="Título 1">
             <a:extLst>
               <a:ext uri="{FF2B5EF4-FFF2-40B4-BE49-F238E27FC236}">
-                <a16:creationId xmlns:a16="http://schemas.microsoft.com/office/drawing/2014/main" id="{0C961620-589C-495B-9536-773354AB1AE0}"/>
+                <a16:creationId xmlns:a16="http://schemas.microsoft.com/office/drawing/2014/main" id="{02195E16-A8AD-4436-8D63-EDDF106B60B8}"/>
               </a:ext>
             </a:extLst>
           </p:cNvPr>
@@ -3754,14 +3783,12 @@
         </p:nvSpPr>
         <p:spPr>
           <a:xfrm>
-            <a:off x="448816" y="1196752"/>
-            <a:ext cx="8229600" cy="432048"/>
+            <a:off x="457200" y="980728"/>
+            <a:ext cx="8229600" cy="1143000"/>
           </a:xfrm>
         </p:spPr>
         <p:txBody>
-          <a:bodyPr>
-            <a:noAutofit/>
-          </a:bodyPr>
+          <a:bodyPr/>
           <a:lstStyle/>
           <a:p>
             <a:r>
@@ -3783,6 +3810,7 @@
               </a:rPr>
               <a:t>Introdução</a:t>
             </a:r>
+            <a:endParaRPr lang="pt-BR" dirty="0"/>
           </a:p>
         </p:txBody>
       </p:sp>
@@ -3791,7 +3819,7 @@
           <p:cNvPr id="3" name="Espaço Reservado para Conteúdo 2">
             <a:extLst>
               <a:ext uri="{FF2B5EF4-FFF2-40B4-BE49-F238E27FC236}">
-                <a16:creationId xmlns:a16="http://schemas.microsoft.com/office/drawing/2014/main" id="{B9B79576-3BAD-40B5-A320-FC5D166DD06C}"/>
+                <a16:creationId xmlns:a16="http://schemas.microsoft.com/office/drawing/2014/main" id="{9BCA31E6-89E1-4A61-A42F-D60AA26B83A3}"/>
               </a:ext>
             </a:extLst>
           </p:cNvPr>
@@ -3804,8 +3832,8 @@
         </p:nvSpPr>
         <p:spPr>
           <a:xfrm>
-            <a:off x="457200" y="1844824"/>
-            <a:ext cx="8229600" cy="4281339"/>
+            <a:off x="457200" y="2171700"/>
+            <a:ext cx="8229600" cy="3954463"/>
           </a:xfrm>
         </p:spPr>
         <p:txBody>
@@ -3814,9 +3842,6 @@
           </a:bodyPr>
           <a:lstStyle/>
           <a:p>
-            <a:endParaRPr lang="pt-BR" sz="2400" dirty="0"/>
-          </a:p>
-          <a:p>
             <a:r>
               <a:rPr lang="pt-BR" sz="2400" dirty="0"/>
               <a:t>Utilize apenas um slide para este item. </a:t>
@@ -3842,13 +3867,16 @@
               <a:rPr lang="pt-BR" sz="2400" dirty="0"/>
               <a:t>Seu tempo total de apresentação será de 10 minutos. </a:t>
             </a:r>
+          </a:p>
+          <a:p>
+            <a:endParaRPr lang="pt-BR" dirty="0"/>
           </a:p>
         </p:txBody>
       </p:sp>
     </p:spTree>
     <p:extLst>
       <p:ext uri="{BB962C8B-B14F-4D97-AF65-F5344CB8AC3E}">
-        <p14:creationId xmlns:p14="http://schemas.microsoft.com/office/powerpoint/2010/main" val="2287147994"/>
+        <p14:creationId xmlns:p14="http://schemas.microsoft.com/office/powerpoint/2010/main" val="2274356100"/>
       </p:ext>
     </p:extLst>
   </p:cSld>
@@ -3880,7 +3908,7 @@
           <p:cNvPr id="2" name="Título 1">
             <a:extLst>
               <a:ext uri="{FF2B5EF4-FFF2-40B4-BE49-F238E27FC236}">
-                <a16:creationId xmlns:a16="http://schemas.microsoft.com/office/drawing/2014/main" id="{0C961620-589C-495B-9536-773354AB1AE0}"/>
+                <a16:creationId xmlns:a16="http://schemas.microsoft.com/office/drawing/2014/main" id="{98CE9D1B-5092-4A48-91B9-6055D4DE6B37}"/>
               </a:ext>
             </a:extLst>
           </p:cNvPr>
@@ -3893,13 +3921,13 @@
         </p:nvSpPr>
         <p:spPr>
           <a:xfrm>
-            <a:off x="448816" y="1196752"/>
-            <a:ext cx="8229600" cy="432048"/>
+            <a:off x="457200" y="1124744"/>
+            <a:ext cx="8229600" cy="796950"/>
           </a:xfrm>
         </p:spPr>
         <p:txBody>
           <a:bodyPr>
-            <a:noAutofit/>
+            <a:normAutofit/>
           </a:bodyPr>
           <a:lstStyle/>
           <a:p>
@@ -3922,6 +3950,7 @@
               </a:rPr>
               <a:t>Metodologia</a:t>
             </a:r>
+            <a:endParaRPr lang="pt-BR" sz="3200" dirty="0"/>
           </a:p>
         </p:txBody>
       </p:sp>
@@ -3930,7 +3959,7 @@
           <p:cNvPr id="3" name="Espaço Reservado para Conteúdo 2">
             <a:extLst>
               <a:ext uri="{FF2B5EF4-FFF2-40B4-BE49-F238E27FC236}">
-                <a16:creationId xmlns:a16="http://schemas.microsoft.com/office/drawing/2014/main" id="{B9B79576-3BAD-40B5-A320-FC5D166DD06C}"/>
+                <a16:creationId xmlns:a16="http://schemas.microsoft.com/office/drawing/2014/main" id="{7595F119-3D1F-4E83-8FCB-6E2880109431}"/>
               </a:ext>
             </a:extLst>
           </p:cNvPr>
@@ -3943,8 +3972,8 @@
         </p:nvSpPr>
         <p:spPr>
           <a:xfrm>
-            <a:off x="457200" y="1844824"/>
-            <a:ext cx="8229600" cy="4281339"/>
+            <a:off x="457200" y="2132856"/>
+            <a:ext cx="8229600" cy="3993307"/>
           </a:xfrm>
         </p:spPr>
         <p:txBody>
@@ -3953,9 +3982,6 @@
           </a:bodyPr>
           <a:lstStyle/>
           <a:p>
-            <a:endParaRPr lang="pt-BR" sz="2400" dirty="0"/>
-          </a:p>
-          <a:p>
             <a:r>
               <a:rPr lang="pt-BR" sz="2400" dirty="0"/>
               <a:t>Utilize apenas um slide para este item. </a:t>
@@ -3981,13 +4007,16 @@
               <a:rPr lang="pt-BR" sz="2400" dirty="0"/>
               <a:t>Seu tempo total de apresentação será de 10 minutos. </a:t>
             </a:r>
+          </a:p>
+          <a:p>
+            <a:endParaRPr lang="pt-BR" sz="2400" dirty="0"/>
           </a:p>
         </p:txBody>
       </p:sp>
     </p:spTree>
     <p:extLst>
       <p:ext uri="{BB962C8B-B14F-4D97-AF65-F5344CB8AC3E}">
-        <p14:creationId xmlns:p14="http://schemas.microsoft.com/office/powerpoint/2010/main" val="4177664459"/>
+        <p14:creationId xmlns:p14="http://schemas.microsoft.com/office/powerpoint/2010/main" val="1989091514"/>
       </p:ext>
     </p:extLst>
   </p:cSld>
@@ -4019,7 +4048,7 @@
           <p:cNvPr id="2" name="Título 1">
             <a:extLst>
               <a:ext uri="{FF2B5EF4-FFF2-40B4-BE49-F238E27FC236}">
-                <a16:creationId xmlns:a16="http://schemas.microsoft.com/office/drawing/2014/main" id="{0C961620-589C-495B-9536-773354AB1AE0}"/>
+                <a16:creationId xmlns:a16="http://schemas.microsoft.com/office/drawing/2014/main" id="{98CE9D1B-5092-4A48-91B9-6055D4DE6B37}"/>
               </a:ext>
             </a:extLst>
           </p:cNvPr>
@@ -4032,13 +4061,13 @@
         </p:nvSpPr>
         <p:spPr>
           <a:xfrm>
-            <a:off x="448816" y="1196752"/>
-            <a:ext cx="8229600" cy="432048"/>
+            <a:off x="457200" y="1124744"/>
+            <a:ext cx="8229600" cy="796950"/>
           </a:xfrm>
         </p:spPr>
         <p:txBody>
           <a:bodyPr>
-            <a:noAutofit/>
+            <a:normAutofit/>
           </a:bodyPr>
           <a:lstStyle/>
           <a:p>
@@ -4059,8 +4088,9 @@
                 <a:latin typeface="Arial" panose="020B0604020202020204" pitchFamily="34" charset="0"/>
                 <a:cs typeface="Arial" panose="020B0604020202020204" pitchFamily="34" charset="0"/>
               </a:rPr>
-              <a:t>Resultados</a:t>
-            </a:r>
+              <a:t>Resultados e Discussão</a:t>
+            </a:r>
+            <a:endParaRPr lang="pt-BR" sz="3200" dirty="0"/>
           </a:p>
         </p:txBody>
       </p:sp>
@@ -4069,7 +4099,7 @@
           <p:cNvPr id="3" name="Espaço Reservado para Conteúdo 2">
             <a:extLst>
               <a:ext uri="{FF2B5EF4-FFF2-40B4-BE49-F238E27FC236}">
-                <a16:creationId xmlns:a16="http://schemas.microsoft.com/office/drawing/2014/main" id="{B9B79576-3BAD-40B5-A320-FC5D166DD06C}"/>
+                <a16:creationId xmlns:a16="http://schemas.microsoft.com/office/drawing/2014/main" id="{7595F119-3D1F-4E83-8FCB-6E2880109431}"/>
               </a:ext>
             </a:extLst>
           </p:cNvPr>
@@ -4082,8 +4112,8 @@
         </p:nvSpPr>
         <p:spPr>
           <a:xfrm>
-            <a:off x="457200" y="1844824"/>
-            <a:ext cx="8229600" cy="4281339"/>
+            <a:off x="457200" y="2132856"/>
+            <a:ext cx="8229600" cy="3993307"/>
           </a:xfrm>
         </p:spPr>
         <p:txBody>
@@ -4092,12 +4122,9 @@
           </a:bodyPr>
           <a:lstStyle/>
           <a:p>
-            <a:endParaRPr lang="pt-BR" sz="2400" dirty="0"/>
-          </a:p>
-          <a:p>
             <a:r>
               <a:rPr lang="pt-BR" sz="2400" dirty="0"/>
-              <a:t>Utilize até 3 (três) slides para este item. </a:t>
+              <a:t>Utilize até dois slides para este item. </a:t>
             </a:r>
           </a:p>
           <a:p>
@@ -4120,13 +4147,16 @@
               <a:rPr lang="pt-BR" sz="2400" dirty="0"/>
               <a:t>Seu tempo total de apresentação será de 10 minutos. </a:t>
             </a:r>
+          </a:p>
+          <a:p>
+            <a:endParaRPr lang="pt-BR" sz="2400" dirty="0"/>
           </a:p>
         </p:txBody>
       </p:sp>
     </p:spTree>
     <p:extLst>
       <p:ext uri="{BB962C8B-B14F-4D97-AF65-F5344CB8AC3E}">
-        <p14:creationId xmlns:p14="http://schemas.microsoft.com/office/powerpoint/2010/main" val="1486577207"/>
+        <p14:creationId xmlns:p14="http://schemas.microsoft.com/office/powerpoint/2010/main" val="4198624004"/>
       </p:ext>
     </p:extLst>
   </p:cSld>
@@ -4158,7 +4188,7 @@
           <p:cNvPr id="2" name="Título 1">
             <a:extLst>
               <a:ext uri="{FF2B5EF4-FFF2-40B4-BE49-F238E27FC236}">
-                <a16:creationId xmlns:a16="http://schemas.microsoft.com/office/drawing/2014/main" id="{0C961620-589C-495B-9536-773354AB1AE0}"/>
+                <a16:creationId xmlns:a16="http://schemas.microsoft.com/office/drawing/2014/main" id="{98CE9D1B-5092-4A48-91B9-6055D4DE6B37}"/>
               </a:ext>
             </a:extLst>
           </p:cNvPr>
@@ -4171,13 +4201,13 @@
         </p:nvSpPr>
         <p:spPr>
           <a:xfrm>
-            <a:off x="448816" y="1196752"/>
-            <a:ext cx="8229600" cy="432048"/>
+            <a:off x="457200" y="1124744"/>
+            <a:ext cx="8229600" cy="796950"/>
           </a:xfrm>
         </p:spPr>
         <p:txBody>
           <a:bodyPr>
-            <a:noAutofit/>
+            <a:normAutofit/>
           </a:bodyPr>
           <a:lstStyle/>
           <a:p>
@@ -4198,8 +4228,9 @@
                 <a:latin typeface="Arial" panose="020B0604020202020204" pitchFamily="34" charset="0"/>
                 <a:cs typeface="Arial" panose="020B0604020202020204" pitchFamily="34" charset="0"/>
               </a:rPr>
-              <a:t>Considerações Finais</a:t>
-            </a:r>
+              <a:t>Conclusão</a:t>
+            </a:r>
+            <a:endParaRPr lang="pt-BR" sz="3200" dirty="0"/>
           </a:p>
         </p:txBody>
       </p:sp>
@@ -4208,7 +4239,7 @@
           <p:cNvPr id="3" name="Espaço Reservado para Conteúdo 2">
             <a:extLst>
               <a:ext uri="{FF2B5EF4-FFF2-40B4-BE49-F238E27FC236}">
-                <a16:creationId xmlns:a16="http://schemas.microsoft.com/office/drawing/2014/main" id="{B9B79576-3BAD-40B5-A320-FC5D166DD06C}"/>
+                <a16:creationId xmlns:a16="http://schemas.microsoft.com/office/drawing/2014/main" id="{7595F119-3D1F-4E83-8FCB-6E2880109431}"/>
               </a:ext>
             </a:extLst>
           </p:cNvPr>
@@ -4221,8 +4252,8 @@
         </p:nvSpPr>
         <p:spPr>
           <a:xfrm>
-            <a:off x="457200" y="1844824"/>
-            <a:ext cx="8229600" cy="4281339"/>
+            <a:off x="457200" y="2132856"/>
+            <a:ext cx="8229600" cy="3993307"/>
           </a:xfrm>
         </p:spPr>
         <p:txBody>
@@ -4231,9 +4262,6 @@
           </a:bodyPr>
           <a:lstStyle/>
           <a:p>
-            <a:endParaRPr lang="pt-BR" sz="2400" dirty="0"/>
-          </a:p>
-          <a:p>
             <a:r>
               <a:rPr lang="pt-BR" sz="2400" dirty="0"/>
               <a:t>Utilize apenas um slide para este item. </a:t>
@@ -4259,13 +4287,16 @@
               <a:rPr lang="pt-BR" sz="2400" dirty="0"/>
               <a:t>Seu tempo total de apresentação será de 10 minutos. </a:t>
             </a:r>
+          </a:p>
+          <a:p>
+            <a:endParaRPr lang="pt-BR" sz="2400" dirty="0"/>
           </a:p>
         </p:txBody>
       </p:sp>
     </p:spTree>
     <p:extLst>
       <p:ext uri="{BB962C8B-B14F-4D97-AF65-F5344CB8AC3E}">
-        <p14:creationId xmlns:p14="http://schemas.microsoft.com/office/powerpoint/2010/main" val="2049356527"/>
+        <p14:creationId xmlns:p14="http://schemas.microsoft.com/office/powerpoint/2010/main" val="1903785494"/>
       </p:ext>
     </p:extLst>
   </p:cSld>
@@ -4297,7 +4328,7 @@
           <p:cNvPr id="2" name="Título 1">
             <a:extLst>
               <a:ext uri="{FF2B5EF4-FFF2-40B4-BE49-F238E27FC236}">
-                <a16:creationId xmlns:a16="http://schemas.microsoft.com/office/drawing/2014/main" id="{0C961620-589C-495B-9536-773354AB1AE0}"/>
+                <a16:creationId xmlns:a16="http://schemas.microsoft.com/office/drawing/2014/main" id="{98CE9D1B-5092-4A48-91B9-6055D4DE6B37}"/>
               </a:ext>
             </a:extLst>
           </p:cNvPr>
@@ -4310,13 +4341,13 @@
         </p:nvSpPr>
         <p:spPr>
           <a:xfrm>
-            <a:off x="448816" y="1196752"/>
-            <a:ext cx="8229600" cy="432048"/>
+            <a:off x="457200" y="1124744"/>
+            <a:ext cx="8229600" cy="796950"/>
           </a:xfrm>
         </p:spPr>
         <p:txBody>
           <a:bodyPr>
-            <a:noAutofit/>
+            <a:normAutofit/>
           </a:bodyPr>
           <a:lstStyle/>
           <a:p>
@@ -4339,6 +4370,7 @@
               </a:rPr>
               <a:t>Referências</a:t>
             </a:r>
+            <a:endParaRPr lang="pt-BR" sz="3200" dirty="0"/>
           </a:p>
         </p:txBody>
       </p:sp>
@@ -4347,7 +4379,7 @@
           <p:cNvPr id="3" name="Espaço Reservado para Conteúdo 2">
             <a:extLst>
               <a:ext uri="{FF2B5EF4-FFF2-40B4-BE49-F238E27FC236}">
-                <a16:creationId xmlns:a16="http://schemas.microsoft.com/office/drawing/2014/main" id="{B9B79576-3BAD-40B5-A320-FC5D166DD06C}"/>
+                <a16:creationId xmlns:a16="http://schemas.microsoft.com/office/drawing/2014/main" id="{7595F119-3D1F-4E83-8FCB-6E2880109431}"/>
               </a:ext>
             </a:extLst>
           </p:cNvPr>
@@ -4360,8 +4392,8 @@
         </p:nvSpPr>
         <p:spPr>
           <a:xfrm>
-            <a:off x="457200" y="1844824"/>
-            <a:ext cx="8229600" cy="4281339"/>
+            <a:off x="457200" y="2132856"/>
+            <a:ext cx="8229600" cy="3993307"/>
           </a:xfrm>
         </p:spPr>
         <p:txBody>
@@ -4370,9 +4402,6 @@
           </a:bodyPr>
           <a:lstStyle/>
           <a:p>
-            <a:endParaRPr lang="pt-BR" sz="2400" dirty="0"/>
-          </a:p>
-          <a:p>
             <a:r>
               <a:rPr lang="pt-BR" sz="2400" dirty="0"/>
               <a:t>Utilize apenas um slide para este item. </a:t>
@@ -4398,13 +4427,16 @@
               <a:rPr lang="pt-BR" sz="2400" dirty="0"/>
               <a:t>Seu tempo total de apresentação será de 10 minutos. </a:t>
             </a:r>
+          </a:p>
+          <a:p>
+            <a:endParaRPr lang="pt-BR" sz="2400" dirty="0"/>
           </a:p>
         </p:txBody>
       </p:sp>
     </p:spTree>
     <p:extLst>
       <p:ext uri="{BB962C8B-B14F-4D97-AF65-F5344CB8AC3E}">
-        <p14:creationId xmlns:p14="http://schemas.microsoft.com/office/powerpoint/2010/main" val="1412293528"/>
+        <p14:creationId xmlns:p14="http://schemas.microsoft.com/office/powerpoint/2010/main" val="1393603642"/>
       </p:ext>
     </p:extLst>
   </p:cSld>
